--- a/Doc/Apresentacao_Code_Industria/apresentacao_03_04_2019.pptx
+++ b/Doc/Apresentacao_Code_Industria/apresentacao_03_04_2019.pptx
@@ -10,6 +10,9 @@
     <p:sldId id="257" r:id="rId5"/>
     <p:sldId id="258" r:id="rId6"/>
     <p:sldId id="259" r:id="rId7"/>
+    <p:sldId id="260" r:id="rId8"/>
+    <p:sldId id="261" r:id="rId9"/>
+    <p:sldId id="262" r:id="rId10"/>
   </p:sldIdLst>
   <p:sldSz cx="9144000" cy="6858000"/>
   <p:notesSz cx="7559675" cy="10691812"/>
@@ -3971,39 +3974,16 @@
           <a:chExt cx="0" cy="0"/>
         </a:xfrm>
       </p:grpSpPr>
-      <p:pic>
-        <p:nvPicPr>
-          <p:cNvPr id="74" name="Picture 2" descr=""/>
-          <p:cNvPicPr/>
+      <p:sp>
+        <p:nvSpPr>
+          <p:cNvPr id="74" name="TextShape 1"/>
+          <p:cNvSpPr txBox="1"/>
           <p:nvPr/>
-        </p:nvPicPr>
-        <p:blipFill>
-          <a:blip r:embed="rId1"/>
-          <a:stretch/>
-        </p:blipFill>
-        <p:spPr>
-          <a:xfrm>
-            <a:off x="6255360" y="68760"/>
-            <a:ext cx="2746800" cy="1420560"/>
-          </a:xfrm>
-          <a:prstGeom prst="rect">
-            <a:avLst/>
-          </a:prstGeom>
-          <a:ln>
-            <a:noFill/>
-          </a:ln>
-        </p:spPr>
-      </p:pic>
-      <p:sp>
-        <p:nvSpPr>
-          <p:cNvPr id="75" name="CustomShape 1"/>
-          <p:cNvSpPr/>
-          <p:nvPr/>
-        </p:nvSpPr>
-        <p:spPr>
-          <a:xfrm>
-            <a:off x="652320" y="276480"/>
-            <a:ext cx="2445480" cy="1005120"/>
+        </p:nvSpPr>
+        <p:spPr>
+          <a:xfrm>
+            <a:off x="457200" y="273600"/>
+            <a:ext cx="8229240" cy="1144800"/>
           </a:xfrm>
           <a:prstGeom prst="rect">
             <a:avLst/>
@@ -4013,261 +3993,19 @@
             <a:noFill/>
           </a:ln>
         </p:spPr>
-        <p:style>
-          <a:lnRef idx="0"/>
-          <a:fillRef idx="0"/>
-          <a:effectRef idx="0"/>
-          <a:fontRef idx="minor"/>
-        </p:style>
-      </p:sp>
-      <p:sp>
-        <p:nvSpPr>
-          <p:cNvPr id="76" name="CustomShape 2"/>
-          <p:cNvSpPr/>
-          <p:nvPr/>
-        </p:nvSpPr>
-        <p:spPr>
-          <a:xfrm>
-            <a:off x="1143000" y="3602160"/>
-            <a:ext cx="6855120" cy="1652760"/>
-          </a:xfrm>
-          <a:prstGeom prst="rect">
-            <a:avLst/>
-          </a:prstGeom>
-          <a:noFill/>
-          <a:ln>
-            <a:noFill/>
-          </a:ln>
-        </p:spPr>
-        <p:style>
-          <a:lnRef idx="0"/>
-          <a:fillRef idx="0"/>
-          <a:effectRef idx="0"/>
-          <a:fontRef idx="minor"/>
-        </p:style>
-      </p:sp>
-      <p:sp>
-        <p:nvSpPr>
-          <p:cNvPr id="77" name="CustomShape 3"/>
-          <p:cNvSpPr/>
-          <p:nvPr/>
-        </p:nvSpPr>
-        <p:spPr>
-          <a:xfrm>
-            <a:off x="216000" y="720000"/>
-            <a:ext cx="8501400" cy="4057920"/>
-          </a:xfrm>
-          <a:prstGeom prst="rect">
-            <a:avLst/>
-          </a:prstGeom>
-          <a:noFill/>
-          <a:ln>
-            <a:noFill/>
-          </a:ln>
-        </p:spPr>
-        <p:style>
-          <a:lnRef idx="0"/>
-          <a:fillRef idx="0"/>
-          <a:effectRef idx="0"/>
-          <a:fontRef idx="minor"/>
-        </p:style>
-        <p:txBody>
-          <a:bodyPr lIns="90000" rIns="90000" tIns="45000" bIns="45000"/>
-          <a:p>
-            <a:pPr>
-              <a:lnSpc>
-                <a:spcPct val="100000"/>
-              </a:lnSpc>
+        <p:txBody>
+          <a:bodyPr lIns="0" rIns="0" tIns="0" bIns="0" anchor="ctr"/>
+          <a:p>
+            <a:pPr marL="216000" indent="-216000" algn="ctr">
+              <a:buClr>
+                <a:srgbClr val="000000"/>
+              </a:buClr>
+              <a:buSzPct val="45000"/>
+              <a:buFont typeface="Wingdings" charset="2"/>
+              <a:buChar char=""/>
             </a:pPr>
-            <a:endParaRPr b="0" lang="pt-BR" sz="1800" spc="-1" strike="noStrike">
-              <a:solidFill>
-                <a:srgbClr val="000000"/>
-              </a:solidFill>
-              <a:uFill>
-                <a:solidFill>
-                  <a:srgbClr val="ffffff"/>
-                </a:solidFill>
-              </a:uFill>
-              <a:latin typeface="Arial"/>
-            </a:endParaRPr>
-          </a:p>
-          <a:p>
-            <a:pPr>
-              <a:lnSpc>
-                <a:spcPct val="100000"/>
-              </a:lnSpc>
-            </a:pPr>
-            <a:endParaRPr b="0" lang="pt-BR" sz="1800" spc="-1" strike="noStrike">
-              <a:solidFill>
-                <a:srgbClr val="000000"/>
-              </a:solidFill>
-              <a:uFill>
-                <a:solidFill>
-                  <a:srgbClr val="ffffff"/>
-                </a:solidFill>
-              </a:uFill>
-              <a:latin typeface="Arial"/>
-            </a:endParaRPr>
-          </a:p>
-          <a:p>
-            <a:pPr algn="ctr">
-              <a:lnSpc>
-                <a:spcPct val="100000"/>
-              </a:lnSpc>
-            </a:pPr>
-            <a:endParaRPr b="0" lang="pt-BR" sz="1800" spc="-1" strike="noStrike">
-              <a:solidFill>
-                <a:srgbClr val="000000"/>
-              </a:solidFill>
-              <a:uFill>
-                <a:solidFill>
-                  <a:srgbClr val="ffffff"/>
-                </a:solidFill>
-              </a:uFill>
-              <a:latin typeface="Arial"/>
-            </a:endParaRPr>
-          </a:p>
-          <a:p>
-            <a:pPr algn="ctr">
-              <a:lnSpc>
-                <a:spcPct val="100000"/>
-              </a:lnSpc>
-            </a:pPr>
-            <a:endParaRPr b="0" lang="pt-BR" sz="1800" spc="-1" strike="noStrike">
-              <a:solidFill>
-                <a:srgbClr val="000000"/>
-              </a:solidFill>
-              <a:uFill>
-                <a:solidFill>
-                  <a:srgbClr val="ffffff"/>
-                </a:solidFill>
-              </a:uFill>
-              <a:latin typeface="Arial"/>
-            </a:endParaRPr>
-          </a:p>
-        </p:txBody>
-      </p:sp>
-      <p:sp>
-        <p:nvSpPr>
-          <p:cNvPr id="78" name="CustomShape 4"/>
-          <p:cNvSpPr/>
-          <p:nvPr/>
-        </p:nvSpPr>
-        <p:spPr>
-          <a:xfrm>
-            <a:off x="1525680" y="1933560"/>
-            <a:ext cx="6832080" cy="1190880"/>
-          </a:xfrm>
-          <a:prstGeom prst="rect">
-            <a:avLst/>
-          </a:prstGeom>
-          <a:noFill/>
-          <a:ln>
-            <a:noFill/>
-          </a:ln>
-        </p:spPr>
-        <p:style>
-          <a:lnRef idx="0"/>
-          <a:fillRef idx="0"/>
-          <a:effectRef idx="0"/>
-          <a:fontRef idx="minor"/>
-        </p:style>
-        <p:txBody>
-          <a:bodyPr lIns="90000" rIns="90000" tIns="45000" bIns="45000"/>
-          <a:p>
-            <a:pPr marL="285840" indent="-285120">
-              <a:lnSpc>
-                <a:spcPct val="100000"/>
-              </a:lnSpc>
-              <a:buClr>
-                <a:srgbClr val="000000"/>
-              </a:buClr>
-              <a:buFont typeface="Arial"/>
-              <a:buChar char="•"/>
-            </a:pPr>
-            <a:endParaRPr b="0" lang="pt-BR" sz="1800" spc="-1" strike="noStrike">
-              <a:solidFill>
-                <a:srgbClr val="000000"/>
-              </a:solidFill>
-              <a:uFill>
-                <a:solidFill>
-                  <a:srgbClr val="ffffff"/>
-                </a:solidFill>
-              </a:uFill>
-              <a:latin typeface="Arial"/>
-            </a:endParaRPr>
-          </a:p>
-          <a:p>
-            <a:pPr>
-              <a:lnSpc>
-                <a:spcPct val="100000"/>
-              </a:lnSpc>
-            </a:pPr>
-            <a:endParaRPr b="0" lang="pt-BR" sz="1800" spc="-1" strike="noStrike">
-              <a:solidFill>
-                <a:srgbClr val="000000"/>
-              </a:solidFill>
-              <a:uFill>
-                <a:solidFill>
-                  <a:srgbClr val="ffffff"/>
-                </a:solidFill>
-              </a:uFill>
-              <a:latin typeface="Arial"/>
-            </a:endParaRPr>
-          </a:p>
-        </p:txBody>
-      </p:sp>
-      <p:sp>
-        <p:nvSpPr>
-          <p:cNvPr id="79" name="CustomShape 5"/>
-          <p:cNvSpPr/>
-          <p:nvPr/>
-        </p:nvSpPr>
-        <p:spPr>
-          <a:xfrm>
-            <a:off x="1361160" y="1396440"/>
-            <a:ext cx="6275160" cy="601560"/>
-          </a:xfrm>
-          <a:prstGeom prst="rect">
-            <a:avLst/>
-          </a:prstGeom>
-          <a:noFill/>
-          <a:ln>
-            <a:noFill/>
-          </a:ln>
-        </p:spPr>
-        <p:style>
-          <a:lnRef idx="0"/>
-          <a:fillRef idx="0"/>
-          <a:effectRef idx="0"/>
-          <a:fontRef idx="minor"/>
-        </p:style>
-      </p:sp>
-      <p:sp>
-        <p:nvSpPr>
-          <p:cNvPr id="80" name="TextShape 6"/>
-          <p:cNvSpPr txBox="1"/>
-          <p:nvPr/>
-        </p:nvSpPr>
-        <p:spPr>
-          <a:xfrm>
-            <a:off x="457200" y="273600"/>
-            <a:ext cx="8229240" cy="1144800"/>
-          </a:xfrm>
-          <a:prstGeom prst="rect">
-            <a:avLst/>
-          </a:prstGeom>
-          <a:noFill/>
-          <a:ln>
-            <a:noFill/>
-          </a:ln>
-        </p:spPr>
-        <p:txBody>
-          <a:bodyPr lIns="0" rIns="0" tIns="0" bIns="0" anchor="ctr"/>
-          <a:p>
-            <a:pPr algn="ctr"/>
             <a:r>
-              <a:rPr b="0" lang="pt-BR" sz="4400" spc="-1" strike="noStrike">
+              <a:rPr b="0" lang="pt-BR" sz="3600" spc="-1" strike="noStrike">
                 <a:solidFill>
                   <a:srgbClr val="000000"/>
                 </a:solidFill>
@@ -4278,32 +4016,32 @@
                 </a:uFill>
                 <a:latin typeface="Arial"/>
               </a:rPr>
-              <a:t>Lista de atualizações</a:t>
+              <a:t>Entendemos em partes como funciona o webservice do S7-12000</a:t>
             </a:r>
-            <a:endParaRPr b="0" lang="pt-BR" sz="4400" spc="-1" strike="noStrike">
-              <a:solidFill>
-                <a:srgbClr val="000000"/>
-              </a:solidFill>
-              <a:uFill>
-                <a:solidFill>
-                  <a:srgbClr val="ffffff"/>
-                </a:solidFill>
-              </a:uFill>
-              <a:latin typeface="Arial"/>
-            </a:endParaRPr>
-          </a:p>
-        </p:txBody>
-      </p:sp>
-      <p:sp>
-        <p:nvSpPr>
-          <p:cNvPr id="81" name="TextShape 7"/>
+            <a:endParaRPr b="0" lang="pt-BR" sz="3600" spc="-1" strike="noStrike">
+              <a:solidFill>
+                <a:srgbClr val="000000"/>
+              </a:solidFill>
+              <a:uFill>
+                <a:solidFill>
+                  <a:srgbClr val="ffffff"/>
+                </a:solidFill>
+              </a:uFill>
+              <a:latin typeface="Arial"/>
+            </a:endParaRPr>
+          </a:p>
+        </p:txBody>
+      </p:sp>
+      <p:sp>
+        <p:nvSpPr>
+          <p:cNvPr id="75" name="TextShape 2"/>
           <p:cNvSpPr txBox="1"/>
           <p:nvPr/>
         </p:nvSpPr>
         <p:spPr>
           <a:xfrm>
             <a:off x="457200" y="1604520"/>
-            <a:ext cx="8229240" cy="4102200"/>
+            <a:ext cx="8229240" cy="3977280"/>
           </a:xfrm>
           <a:prstGeom prst="rect">
             <a:avLst/>
@@ -4314,9 +4052,14 @@
           </a:ln>
         </p:spPr>
         <p:txBody>
-          <a:bodyPr lIns="0" rIns="0" tIns="0" bIns="0"/>
-          <a:p>
-            <a:pPr marL="216000" indent="-216000">
+          <a:bodyPr lIns="0" rIns="0" tIns="0" bIns="0">
+            <a:normAutofit/>
+          </a:bodyPr>
+          <a:p>
+            <a:pPr marL="432000" indent="-324000">
+              <a:spcBef>
+                <a:spcPts val="1417"/>
+              </a:spcBef>
               <a:buClr>
                 <a:srgbClr val="000000"/>
               </a:buClr>
@@ -4336,7 +4079,7 @@
                 </a:uFill>
                 <a:latin typeface="Arial"/>
               </a:rPr>
-              <a:t>Entendemos em partes como funciona o webservice do S7-12000.</a:t>
+              <a:t>Estamos aguardando dados reais do equipamento devido a imprevistos:</a:t>
             </a:r>
             <a:endParaRPr b="0" lang="pt-BR" sz="3200" spc="-1" strike="noStrike">
               <a:solidFill>
@@ -4351,7 +4094,10 @@
             </a:endParaRPr>
           </a:p>
           <a:p>
-            <a:pPr marL="216000" indent="-216000">
+            <a:pPr marL="432000" indent="-324000">
+              <a:spcBef>
+                <a:spcPts val="1417"/>
+              </a:spcBef>
               <a:buClr>
                 <a:srgbClr val="000000"/>
               </a:buClr>
@@ -4371,7 +4117,7 @@
                 </a:uFill>
                 <a:latin typeface="Arial"/>
               </a:rPr>
-              <a:t>Conseguimos uma amostra do html que é hospedado no webservice.</a:t>
+              <a:t>Equipamento em manutenção e desligado;</a:t>
             </a:r>
             <a:endParaRPr b="0" lang="pt-BR" sz="3200" spc="-1" strike="noStrike">
               <a:solidFill>
@@ -4386,7 +4132,10 @@
             </a:endParaRPr>
           </a:p>
           <a:p>
-            <a:pPr marL="216000" indent="-216000">
+            <a:pPr marL="432000" indent="-324000">
+              <a:spcBef>
+                <a:spcPts val="1417"/>
+              </a:spcBef>
               <a:buClr>
                 <a:srgbClr val="000000"/>
               </a:buClr>
@@ -4406,77 +4155,7 @@
                 </a:uFill>
                 <a:latin typeface="Arial"/>
               </a:rPr>
-              <a:t>Adaptamos nesse html o envio de Jsons para um servidor</a:t>
-            </a:r>
-            <a:endParaRPr b="0" lang="pt-BR" sz="3200" spc="-1" strike="noStrike">
-              <a:solidFill>
-                <a:srgbClr val="000000"/>
-              </a:solidFill>
-              <a:uFill>
-                <a:solidFill>
-                  <a:srgbClr val="ffffff"/>
-                </a:solidFill>
-              </a:uFill>
-              <a:latin typeface="Arial"/>
-            </a:endParaRPr>
-          </a:p>
-          <a:p>
-            <a:pPr marL="216000" indent="-216000">
-              <a:buClr>
-                <a:srgbClr val="000000"/>
-              </a:buClr>
-              <a:buSzPct val="45000"/>
-              <a:buFont typeface="Wingdings" charset="2"/>
-              <a:buChar char=""/>
-            </a:pPr>
-            <a:r>
-              <a:rPr b="0" lang="pt-BR" sz="3200" spc="-1" strike="noStrike">
-                <a:solidFill>
-                  <a:srgbClr val="000000"/>
-                </a:solidFill>
-                <a:uFill>
-                  <a:solidFill>
-                    <a:srgbClr val="ffffff"/>
-                  </a:solidFill>
-                </a:uFill>
-                <a:latin typeface="Arial"/>
-              </a:rPr>
-              <a:t>Criamos um servidor que recebe os Jsons e salva no banco de dados</a:t>
-            </a:r>
-            <a:endParaRPr b="0" lang="pt-BR" sz="3200" spc="-1" strike="noStrike">
-              <a:solidFill>
-                <a:srgbClr val="000000"/>
-              </a:solidFill>
-              <a:uFill>
-                <a:solidFill>
-                  <a:srgbClr val="ffffff"/>
-                </a:solidFill>
-              </a:uFill>
-              <a:latin typeface="Arial"/>
-            </a:endParaRPr>
-          </a:p>
-          <a:p>
-            <a:pPr marL="216000" indent="-216000">
-              <a:buClr>
-                <a:srgbClr val="000000"/>
-              </a:buClr>
-              <a:buSzPct val="45000"/>
-              <a:buFont typeface="Wingdings" charset="2"/>
-              <a:buChar char=""/>
-            </a:pPr>
-            <a:r>
-              <a:rPr b="0" lang="pt-BR" sz="3200" spc="-1" strike="noStrike">
-                <a:solidFill>
-                  <a:srgbClr val="000000"/>
-                </a:solidFill>
-                <a:uFill>
-                  <a:solidFill>
-                    <a:srgbClr val="ffffff"/>
-                  </a:solidFill>
-                </a:uFill>
-                <a:latin typeface="Arial"/>
-              </a:rPr>
-              <a:t>Iniciamos o desenvolvimento Mobile nativo</a:t>
+              <a:t>Contato da Mecatrônica da empresa em auditoria interna para obtenção da ISO 9001. </a:t>
             </a:r>
             <a:endParaRPr b="0" lang="pt-BR" sz="3200" spc="-1" strike="noStrike">
               <a:solidFill>
@@ -4543,7 +4222,7 @@
       </p:grpSpPr>
       <p:sp>
         <p:nvSpPr>
-          <p:cNvPr id="82" name="TextShape 1"/>
+          <p:cNvPr id="76" name="TextShape 1"/>
           <p:cNvSpPr txBox="1"/>
           <p:nvPr/>
         </p:nvSpPr>
@@ -4583,7 +4262,7 @@
                 </a:uFill>
                 <a:latin typeface="Arial"/>
               </a:rPr>
-              <a:t>Entendemos em partes como funciona o webservice do S7-12000</a:t>
+              <a:t>Conseguimos uma amostra do HTML que é hospedado no webservice</a:t>
             </a:r>
             <a:endParaRPr b="0" lang="pt-BR" sz="3600" spc="-1" strike="noStrike">
               <a:solidFill>
@@ -4599,16 +4278,88 @@
           </a:p>
         </p:txBody>
       </p:sp>
-      <p:sp>
-        <p:nvSpPr>
-          <p:cNvPr id="83" name="TextShape 2"/>
+      <p:pic>
+        <p:nvPicPr>
+          <p:cNvPr id="77" name="" descr=""/>
+          <p:cNvPicPr/>
+          <p:nvPr/>
+        </p:nvPicPr>
+        <p:blipFill>
+          <a:blip r:embed="rId1"/>
+          <a:stretch/>
+        </p:blipFill>
+        <p:spPr>
+          <a:xfrm>
+            <a:off x="48600" y="1604520"/>
+            <a:ext cx="9095400" cy="4083480"/>
+          </a:xfrm>
+          <a:prstGeom prst="rect">
+            <a:avLst/>
+          </a:prstGeom>
+          <a:ln>
+            <a:noFill/>
+          </a:ln>
+        </p:spPr>
+      </p:pic>
+    </p:spTree>
+  </p:cSld>
+  <p:timing>
+    <p:tnLst>
+      <p:par>
+        <p:cTn id="5" dur="indefinite" restart="never" nodeType="tmRoot">
+          <p:childTnLst>
+            <p:seq>
+              <p:cTn id="6" nodeType="mainSeq"/>
+              <p:prevCondLst>
+                <p:cond delay="0" evt="onPrev">
+                  <p:tgtEl>
+                    <p:sldTgt/>
+                  </p:tgtEl>
+                </p:cond>
+              </p:prevCondLst>
+              <p:nextCondLst>
+                <p:cond delay="0" evt="onNext">
+                  <p:tgtEl>
+                    <p:sldTgt/>
+                  </p:tgtEl>
+                </p:cond>
+              </p:nextCondLst>
+            </p:seq>
+          </p:childTnLst>
+        </p:cTn>
+      </p:par>
+    </p:tnLst>
+  </p:timing>
+</p:sld>
+</file>
+
+<file path=ppt/slides/slide4.xml><?xml version="1.0" encoding="utf-8"?>
+<p:sld xmlns:a="http://schemas.openxmlformats.org/drawingml/2006/main" xmlns:p="http://schemas.openxmlformats.org/presentationml/2006/main" xmlns:r="http://schemas.openxmlformats.org/officeDocument/2006/relationships" xmlns:p14="http://schemas.microsoft.com/office/powerpoint/2010/main" xmlns:p15="http://schemas.microsoft.com/office/powerpoint/2012/main" xmlns:mc="http://schemas.openxmlformats.org/markup-compatibility/2006">
+  <p:cSld>
+    <p:spTree>
+      <p:nvGrpSpPr>
+        <p:cNvPr id="1" name=""/>
+        <p:cNvGrpSpPr/>
+        <p:nvPr/>
+      </p:nvGrpSpPr>
+      <p:grpSpPr>
+        <a:xfrm>
+          <a:off x="0" y="0"/>
+          <a:ext cx="0" cy="0"/>
+          <a:chOff x="0" y="0"/>
+          <a:chExt cx="0" cy="0"/>
+        </a:xfrm>
+      </p:grpSpPr>
+      <p:sp>
+        <p:nvSpPr>
+          <p:cNvPr id="78" name="TextShape 1"/>
           <p:cNvSpPr txBox="1"/>
           <p:nvPr/>
         </p:nvSpPr>
         <p:spPr>
           <a:xfrm>
-            <a:off x="457200" y="1604520"/>
-            <a:ext cx="8229240" cy="3977280"/>
+            <a:off x="457200" y="273600"/>
+            <a:ext cx="8229240" cy="1144800"/>
           </a:xfrm>
           <a:prstGeom prst="rect">
             <a:avLst/>
@@ -4619,14 +4370,9 @@
           </a:ln>
         </p:spPr>
         <p:txBody>
-          <a:bodyPr lIns="0" rIns="0" tIns="0" bIns="0">
-            <a:normAutofit/>
-          </a:bodyPr>
-          <a:p>
-            <a:pPr marL="432000" indent="-324000">
-              <a:spcBef>
-                <a:spcPts val="1417"/>
-              </a:spcBef>
+          <a:bodyPr lIns="0" rIns="0" tIns="0" bIns="0" anchor="ctr"/>
+          <a:p>
+            <a:pPr marL="216000" indent="-216000" algn="ctr">
               <a:buClr>
                 <a:srgbClr val="000000"/>
               </a:buClr>
@@ -4635,7 +4381,7 @@
               <a:buChar char=""/>
             </a:pPr>
             <a:r>
-              <a:rPr b="0" lang="pt-BR" sz="3200" spc="-1" strike="noStrike">
+              <a:rPr b="0" lang="pt-BR" sz="3600" spc="-1" strike="noStrike">
                 <a:solidFill>
                   <a:srgbClr val="000000"/>
                 </a:solidFill>
@@ -4646,25 +4392,117 @@
                 </a:uFill>
                 <a:latin typeface="Arial"/>
               </a:rPr>
-              <a:t>Estamos aguardando dados reais do equipamento devido a imprevistos:</a:t>
+              <a:t>Adaptamos nesse HTML o envio de Jsons para um servidor</a:t>
             </a:r>
-            <a:endParaRPr b="0" lang="pt-BR" sz="3200" spc="-1" strike="noStrike">
-              <a:solidFill>
-                <a:srgbClr val="000000"/>
-              </a:solidFill>
-              <a:uFill>
-                <a:solidFill>
-                  <a:srgbClr val="ffffff"/>
-                </a:solidFill>
-              </a:uFill>
-              <a:latin typeface="Arial"/>
-            </a:endParaRPr>
-          </a:p>
-          <a:p>
-            <a:pPr marL="432000" indent="-324000">
-              <a:spcBef>
-                <a:spcPts val="1417"/>
-              </a:spcBef>
+            <a:endParaRPr b="0" lang="pt-BR" sz="3600" spc="-1" strike="noStrike">
+              <a:solidFill>
+                <a:srgbClr val="000000"/>
+              </a:solidFill>
+              <a:uFill>
+                <a:solidFill>
+                  <a:srgbClr val="ffffff"/>
+                </a:solidFill>
+              </a:uFill>
+              <a:latin typeface="Arial"/>
+            </a:endParaRPr>
+          </a:p>
+        </p:txBody>
+      </p:sp>
+      <p:pic>
+        <p:nvPicPr>
+          <p:cNvPr id="79" name="" descr=""/>
+          <p:cNvPicPr/>
+          <p:nvPr/>
+        </p:nvPicPr>
+        <p:blipFill>
+          <a:blip r:embed="rId1"/>
+          <a:stretch/>
+        </p:blipFill>
+        <p:spPr>
+          <a:xfrm>
+            <a:off x="0" y="2334960"/>
+            <a:ext cx="9143640" cy="3857040"/>
+          </a:xfrm>
+          <a:prstGeom prst="rect">
+            <a:avLst/>
+          </a:prstGeom>
+          <a:ln>
+            <a:noFill/>
+          </a:ln>
+        </p:spPr>
+      </p:pic>
+    </p:spTree>
+  </p:cSld>
+  <p:timing>
+    <p:tnLst>
+      <p:par>
+        <p:cTn id="7" dur="indefinite" restart="never" nodeType="tmRoot">
+          <p:childTnLst>
+            <p:seq>
+              <p:cTn id="8" nodeType="mainSeq"/>
+              <p:prevCondLst>
+                <p:cond delay="0" evt="onPrev">
+                  <p:tgtEl>
+                    <p:sldTgt/>
+                  </p:tgtEl>
+                </p:cond>
+              </p:prevCondLst>
+              <p:nextCondLst>
+                <p:cond delay="0" evt="onNext">
+                  <p:tgtEl>
+                    <p:sldTgt/>
+                  </p:tgtEl>
+                </p:cond>
+              </p:nextCondLst>
+            </p:seq>
+          </p:childTnLst>
+        </p:cTn>
+      </p:par>
+    </p:tnLst>
+  </p:timing>
+</p:sld>
+</file>
+
+<file path=ppt/slides/slide5.xml><?xml version="1.0" encoding="utf-8"?>
+<p:sld xmlns:a="http://schemas.openxmlformats.org/drawingml/2006/main" xmlns:p="http://schemas.openxmlformats.org/presentationml/2006/main" xmlns:r="http://schemas.openxmlformats.org/officeDocument/2006/relationships" xmlns:p14="http://schemas.microsoft.com/office/powerpoint/2010/main" xmlns:p15="http://schemas.microsoft.com/office/powerpoint/2012/main" xmlns:mc="http://schemas.openxmlformats.org/markup-compatibility/2006">
+  <p:cSld>
+    <p:spTree>
+      <p:nvGrpSpPr>
+        <p:cNvPr id="1" name=""/>
+        <p:cNvGrpSpPr/>
+        <p:nvPr/>
+      </p:nvGrpSpPr>
+      <p:grpSpPr>
+        <a:xfrm>
+          <a:off x="0" y="0"/>
+          <a:ext cx="0" cy="0"/>
+          <a:chOff x="0" y="0"/>
+          <a:chExt cx="0" cy="0"/>
+        </a:xfrm>
+      </p:grpSpPr>
+      <p:sp>
+        <p:nvSpPr>
+          <p:cNvPr id="80" name="TextShape 1"/>
+          <p:cNvSpPr txBox="1"/>
+          <p:nvPr/>
+        </p:nvSpPr>
+        <p:spPr>
+          <a:xfrm>
+            <a:off x="457200" y="273600"/>
+            <a:ext cx="8229240" cy="1144800"/>
+          </a:xfrm>
+          <a:prstGeom prst="rect">
+            <a:avLst/>
+          </a:prstGeom>
+          <a:noFill/>
+          <a:ln>
+            <a:noFill/>
+          </a:ln>
+        </p:spPr>
+        <p:txBody>
+          <a:bodyPr lIns="0" rIns="0" tIns="0" bIns="0" anchor="ctr"/>
+          <a:p>
+            <a:pPr marL="216000" indent="-216000" algn="ctr">
               <a:buClr>
                 <a:srgbClr val="000000"/>
               </a:buClr>
@@ -4673,7 +4511,7 @@
               <a:buChar char=""/>
             </a:pPr>
             <a:r>
-              <a:rPr b="0" lang="pt-BR" sz="3200" spc="-1" strike="noStrike">
+              <a:rPr b="0" lang="pt-BR" sz="3600" spc="-1" strike="noStrike">
                 <a:solidFill>
                   <a:srgbClr val="000000"/>
                 </a:solidFill>
@@ -4684,25 +4522,117 @@
                 </a:uFill>
                 <a:latin typeface="Arial"/>
               </a:rPr>
-              <a:t>Equipamento em manutenção e desligado;</a:t>
+              <a:t>Criamos um servidor que recebe os Jsons e salva no banco de dados</a:t>
             </a:r>
-            <a:endParaRPr b="0" lang="pt-BR" sz="3200" spc="-1" strike="noStrike">
-              <a:solidFill>
-                <a:srgbClr val="000000"/>
-              </a:solidFill>
-              <a:uFill>
-                <a:solidFill>
-                  <a:srgbClr val="ffffff"/>
-                </a:solidFill>
-              </a:uFill>
-              <a:latin typeface="Arial"/>
-            </a:endParaRPr>
-          </a:p>
-          <a:p>
-            <a:pPr marL="432000" indent="-324000">
-              <a:spcBef>
-                <a:spcPts val="1417"/>
-              </a:spcBef>
+            <a:endParaRPr b="0" lang="pt-BR" sz="3600" spc="-1" strike="noStrike">
+              <a:solidFill>
+                <a:srgbClr val="000000"/>
+              </a:solidFill>
+              <a:uFill>
+                <a:solidFill>
+                  <a:srgbClr val="ffffff"/>
+                </a:solidFill>
+              </a:uFill>
+              <a:latin typeface="Arial"/>
+            </a:endParaRPr>
+          </a:p>
+        </p:txBody>
+      </p:sp>
+      <p:pic>
+        <p:nvPicPr>
+          <p:cNvPr id="81" name="" descr=""/>
+          <p:cNvPicPr/>
+          <p:nvPr/>
+        </p:nvPicPr>
+        <p:blipFill>
+          <a:blip r:embed="rId1"/>
+          <a:stretch/>
+        </p:blipFill>
+        <p:spPr>
+          <a:xfrm>
+            <a:off x="14040" y="1512000"/>
+            <a:ext cx="9129960" cy="5346000"/>
+          </a:xfrm>
+          <a:prstGeom prst="rect">
+            <a:avLst/>
+          </a:prstGeom>
+          <a:ln>
+            <a:noFill/>
+          </a:ln>
+        </p:spPr>
+      </p:pic>
+    </p:spTree>
+  </p:cSld>
+  <p:timing>
+    <p:tnLst>
+      <p:par>
+        <p:cTn id="9" dur="indefinite" restart="never" nodeType="tmRoot">
+          <p:childTnLst>
+            <p:seq>
+              <p:cTn id="10" nodeType="mainSeq"/>
+              <p:prevCondLst>
+                <p:cond delay="0" evt="onPrev">
+                  <p:tgtEl>
+                    <p:sldTgt/>
+                  </p:tgtEl>
+                </p:cond>
+              </p:prevCondLst>
+              <p:nextCondLst>
+                <p:cond delay="0" evt="onNext">
+                  <p:tgtEl>
+                    <p:sldTgt/>
+                  </p:tgtEl>
+                </p:cond>
+              </p:nextCondLst>
+            </p:seq>
+          </p:childTnLst>
+        </p:cTn>
+      </p:par>
+    </p:tnLst>
+  </p:timing>
+</p:sld>
+</file>
+
+<file path=ppt/slides/slide6.xml><?xml version="1.0" encoding="utf-8"?>
+<p:sld xmlns:a="http://schemas.openxmlformats.org/drawingml/2006/main" xmlns:p="http://schemas.openxmlformats.org/presentationml/2006/main" xmlns:r="http://schemas.openxmlformats.org/officeDocument/2006/relationships" xmlns:p14="http://schemas.microsoft.com/office/powerpoint/2010/main" xmlns:p15="http://schemas.microsoft.com/office/powerpoint/2012/main" xmlns:mc="http://schemas.openxmlformats.org/markup-compatibility/2006">
+  <p:cSld>
+    <p:spTree>
+      <p:nvGrpSpPr>
+        <p:cNvPr id="1" name=""/>
+        <p:cNvGrpSpPr/>
+        <p:nvPr/>
+      </p:nvGrpSpPr>
+      <p:grpSpPr>
+        <a:xfrm>
+          <a:off x="0" y="0"/>
+          <a:ext cx="0" cy="0"/>
+          <a:chOff x="0" y="0"/>
+          <a:chExt cx="0" cy="0"/>
+        </a:xfrm>
+      </p:grpSpPr>
+      <p:sp>
+        <p:nvSpPr>
+          <p:cNvPr id="82" name="TextShape 1"/>
+          <p:cNvSpPr txBox="1"/>
+          <p:nvPr/>
+        </p:nvSpPr>
+        <p:spPr>
+          <a:xfrm>
+            <a:off x="457200" y="273600"/>
+            <a:ext cx="8229240" cy="1144800"/>
+          </a:xfrm>
+          <a:prstGeom prst="rect">
+            <a:avLst/>
+          </a:prstGeom>
+          <a:noFill/>
+          <a:ln>
+            <a:noFill/>
+          </a:ln>
+        </p:spPr>
+        <p:txBody>
+          <a:bodyPr lIns="0" rIns="0" tIns="0" bIns="0" anchor="ctr"/>
+          <a:p>
+            <a:pPr marL="216000" indent="-216000" algn="ctr">
               <a:buClr>
                 <a:srgbClr val="000000"/>
               </a:buClr>
@@ -4711,7 +4641,7 @@
               <a:buChar char=""/>
             </a:pPr>
             <a:r>
-              <a:rPr b="0" lang="pt-BR" sz="3200" spc="-1" strike="noStrike">
+              <a:rPr b="0" lang="pt-BR" sz="3600" spc="-1" strike="noStrike">
                 <a:solidFill>
                   <a:srgbClr val="000000"/>
                 </a:solidFill>
@@ -4722,28 +4652,78 @@
                 </a:uFill>
                 <a:latin typeface="Arial"/>
               </a:rPr>
-              <a:t>Contato da Mecatronica da empresa em auditoria interna para obtenção da ISO 9001. </a:t>
+              <a:t>Iniciamos o desenvolvimento Mobile nativo</a:t>
             </a:r>
-            <a:endParaRPr b="0" lang="pt-BR" sz="3200" spc="-1" strike="noStrike">
-              <a:solidFill>
-                <a:srgbClr val="000000"/>
-              </a:solidFill>
-              <a:uFill>
-                <a:solidFill>
-                  <a:srgbClr val="ffffff"/>
-                </a:solidFill>
-              </a:uFill>
-              <a:latin typeface="Arial"/>
-            </a:endParaRPr>
-          </a:p>
-        </p:txBody>
-      </p:sp>
+            <a:endParaRPr b="0" lang="pt-BR" sz="3600" spc="-1" strike="noStrike">
+              <a:solidFill>
+                <a:srgbClr val="000000"/>
+              </a:solidFill>
+              <a:uFill>
+                <a:solidFill>
+                  <a:srgbClr val="ffffff"/>
+                </a:solidFill>
+              </a:uFill>
+              <a:latin typeface="Arial"/>
+            </a:endParaRPr>
+          </a:p>
+        </p:txBody>
+      </p:sp>
+      <p:pic>
+        <p:nvPicPr>
+          <p:cNvPr id="83" name="" descr=""/>
+          <p:cNvPicPr/>
+          <p:nvPr/>
+        </p:nvPicPr>
+        <p:blipFill>
+          <a:blip r:embed="rId1"/>
+          <a:stretch/>
+        </p:blipFill>
+        <p:spPr>
+          <a:xfrm>
+            <a:off x="0" y="1728000"/>
+            <a:ext cx="9143640" cy="5142960"/>
+          </a:xfrm>
+          <a:prstGeom prst="rect">
+            <a:avLst/>
+          </a:prstGeom>
+          <a:ln>
+            <a:noFill/>
+          </a:ln>
+        </p:spPr>
+      </p:pic>
     </p:spTree>
   </p:cSld>
+  <p:timing>
+    <p:tnLst>
+      <p:par>
+        <p:cTn id="11" dur="indefinite" restart="never" nodeType="tmRoot">
+          <p:childTnLst>
+            <p:seq>
+              <p:cTn id="12" nodeType="mainSeq"/>
+              <p:prevCondLst>
+                <p:cond delay="0" evt="onPrev">
+                  <p:tgtEl>
+                    <p:sldTgt/>
+                  </p:tgtEl>
+                </p:cond>
+              </p:prevCondLst>
+              <p:nextCondLst>
+                <p:cond delay="0" evt="onNext">
+                  <p:tgtEl>
+                    <p:sldTgt/>
+                  </p:tgtEl>
+                </p:cond>
+              </p:nextCondLst>
+            </p:seq>
+          </p:childTnLst>
+        </p:cTn>
+      </p:par>
+    </p:tnLst>
+  </p:timing>
 </p:sld>
 </file>
 
-<file path=ppt/slides/slide4.xml><?xml version="1.0" encoding="utf-8"?>
+<file path=ppt/slides/slide7.xml><?xml version="1.0" encoding="utf-8"?>
 <p:sld xmlns:a="http://schemas.openxmlformats.org/drawingml/2006/main" xmlns:p="http://schemas.openxmlformats.org/presentationml/2006/main" xmlns:r="http://schemas.openxmlformats.org/officeDocument/2006/relationships" xmlns:p14="http://schemas.microsoft.com/office/powerpoint/2010/main" xmlns:p15="http://schemas.microsoft.com/office/powerpoint/2012/main" xmlns:mc="http://schemas.openxmlformats.org/markup-compatibility/2006">
   <p:cSld>
     <p:spTree>
@@ -5085,10 +5065,10 @@
   <p:timing>
     <p:tnLst>
       <p:par>
-        <p:cTn id="5" dur="indefinite" restart="never" nodeType="tmRoot">
+        <p:cTn id="13" dur="indefinite" restart="never" nodeType="tmRoot">
           <p:childTnLst>
             <p:seq>
-              <p:cTn id="6" nodeType="mainSeq"/>
+              <p:cTn id="14" nodeType="mainSeq"/>
               <p:prevCondLst>
                 <p:cond delay="0" evt="onPrev">
                   <p:tgtEl>
